--- a/Hurley Butterfly Sharp Shooters.pptx
+++ b/Hurley Butterfly Sharp Shooters.pptx
@@ -4560,23 +4560,23 @@
         <p:spPr>
           <a:xfrm>
             <a:off x="659230" y="5722070"/>
-            <a:ext cx="10869750" cy="509048"/>
+            <a:ext cx="10869750" cy="775988"/>
           </a:xfrm>
         </p:spPr>
         <p:txBody>
           <a:bodyPr>
-            <a:normAutofit fontScale="62500" lnSpcReduction="20000"/>
+            <a:noAutofit/>
           </a:bodyPr>
           <a:lstStyle/>
           <a:p>
             <a:r>
-              <a:rPr lang="en-US" dirty="0"/>
+              <a:rPr lang="en-US" sz="2000" dirty="0"/>
               <a:t>Butterfly Sharp Shooters</a:t>
             </a:r>
           </a:p>
           <a:p>
             <a:r>
-              <a:rPr lang="en-US" dirty="0"/>
+              <a:rPr lang="en-US" sz="2000" dirty="0"/>
               <a:t>Gazelle B, Elfie H, John N, Venessa Y</a:t>
             </a:r>
           </a:p>
@@ -4592,6 +4592,270 @@
   <p:clrMapOvr>
     <a:masterClrMapping/>
   </p:clrMapOvr>
+  <p:timing>
+    <p:tnLst>
+      <p:par>
+        <p:cTn id="1" dur="indefinite" restart="never" nodeType="tmRoot">
+          <p:childTnLst>
+            <p:seq concurrent="1" nextAc="seek">
+              <p:cTn id="2" dur="indefinite" nodeType="mainSeq">
+                <p:childTnLst>
+                  <p:par>
+                    <p:cTn id="3" fill="hold">
+                      <p:stCondLst>
+                        <p:cond delay="indefinite"/>
+                      </p:stCondLst>
+                      <p:childTnLst>
+                        <p:par>
+                          <p:cTn id="4" fill="hold">
+                            <p:stCondLst>
+                              <p:cond delay="0"/>
+                            </p:stCondLst>
+                            <p:childTnLst>
+                              <p:par>
+                                <p:cTn id="5" presetID="34" presetClass="emph" presetSubtype="0" fill="hold" nodeType="clickEffect">
+                                  <p:stCondLst>
+                                    <p:cond delay="0"/>
+                                  </p:stCondLst>
+                                  <p:iterate type="lt">
+                                    <p:tmPct val="10000"/>
+                                  </p:iterate>
+                                  <p:childTnLst>
+                                    <p:animMotion origin="layout" path="M 0.0 0.0 L 0.0 -0.07213" pathEditMode="relative" ptsTypes="">
+                                      <p:cBhvr>
+                                        <p:cTn id="6" dur="250" accel="50000" decel="50000" autoRev="1" fill="hold">
+                                          <p:stCondLst>
+                                            <p:cond delay="0"/>
+                                          </p:stCondLst>
+                                        </p:cTn>
+                                        <p:tgtEl>
+                                          <p:spTgt spid="3">
+                                            <p:txEl>
+                                              <p:pRg st="0" end="0"/>
+                                            </p:txEl>
+                                          </p:spTgt>
+                                        </p:tgtEl>
+                                        <p:attrNameLst>
+                                          <p:attrName>ppt_x</p:attrName>
+                                          <p:attrName>ppt_y</p:attrName>
+                                        </p:attrNameLst>
+                                      </p:cBhvr>
+                                    </p:animMotion>
+                                    <p:animRot by="1500000">
+                                      <p:cBhvr>
+                                        <p:cTn id="7" dur="125" fill="hold">
+                                          <p:stCondLst>
+                                            <p:cond delay="0"/>
+                                          </p:stCondLst>
+                                        </p:cTn>
+                                        <p:tgtEl>
+                                          <p:spTgt spid="3">
+                                            <p:txEl>
+                                              <p:pRg st="0" end="0"/>
+                                            </p:txEl>
+                                          </p:spTgt>
+                                        </p:tgtEl>
+                                        <p:attrNameLst>
+                                          <p:attrName>r</p:attrName>
+                                        </p:attrNameLst>
+                                      </p:cBhvr>
+                                    </p:animRot>
+                                    <p:animRot by="-1500000">
+                                      <p:cBhvr>
+                                        <p:cTn id="8" dur="125" fill="hold">
+                                          <p:stCondLst>
+                                            <p:cond delay="125"/>
+                                          </p:stCondLst>
+                                        </p:cTn>
+                                        <p:tgtEl>
+                                          <p:spTgt spid="3">
+                                            <p:txEl>
+                                              <p:pRg st="0" end="0"/>
+                                            </p:txEl>
+                                          </p:spTgt>
+                                        </p:tgtEl>
+                                        <p:attrNameLst>
+                                          <p:attrName>r</p:attrName>
+                                        </p:attrNameLst>
+                                      </p:cBhvr>
+                                    </p:animRot>
+                                    <p:animRot by="-1500000">
+                                      <p:cBhvr>
+                                        <p:cTn id="9" dur="125" fill="hold">
+                                          <p:stCondLst>
+                                            <p:cond delay="250"/>
+                                          </p:stCondLst>
+                                        </p:cTn>
+                                        <p:tgtEl>
+                                          <p:spTgt spid="3">
+                                            <p:txEl>
+                                              <p:pRg st="0" end="0"/>
+                                            </p:txEl>
+                                          </p:spTgt>
+                                        </p:tgtEl>
+                                        <p:attrNameLst>
+                                          <p:attrName>r</p:attrName>
+                                        </p:attrNameLst>
+                                      </p:cBhvr>
+                                    </p:animRot>
+                                    <p:animRot by="1500000">
+                                      <p:cBhvr>
+                                        <p:cTn id="10" dur="125" fill="hold">
+                                          <p:stCondLst>
+                                            <p:cond delay="375"/>
+                                          </p:stCondLst>
+                                        </p:cTn>
+                                        <p:tgtEl>
+                                          <p:spTgt spid="3">
+                                            <p:txEl>
+                                              <p:pRg st="0" end="0"/>
+                                            </p:txEl>
+                                          </p:spTgt>
+                                        </p:tgtEl>
+                                        <p:attrNameLst>
+                                          <p:attrName>r</p:attrName>
+                                        </p:attrNameLst>
+                                      </p:cBhvr>
+                                    </p:animRot>
+                                  </p:childTnLst>
+                                </p:cTn>
+                              </p:par>
+                              <p:par>
+                                <p:cTn id="11" presetID="34" presetClass="emph" presetSubtype="0" fill="hold" nodeType="withEffect">
+                                  <p:stCondLst>
+                                    <p:cond delay="0"/>
+                                  </p:stCondLst>
+                                  <p:iterate type="lt">
+                                    <p:tmPct val="10000"/>
+                                  </p:iterate>
+                                  <p:childTnLst>
+                                    <p:animMotion origin="layout" path="M 0.0 0.0 L 0.0 -0.07213" pathEditMode="relative" ptsTypes="">
+                                      <p:cBhvr>
+                                        <p:cTn id="12" dur="250" accel="50000" decel="50000" autoRev="1" fill="hold">
+                                          <p:stCondLst>
+                                            <p:cond delay="0"/>
+                                          </p:stCondLst>
+                                        </p:cTn>
+                                        <p:tgtEl>
+                                          <p:spTgt spid="3">
+                                            <p:txEl>
+                                              <p:pRg st="1" end="1"/>
+                                            </p:txEl>
+                                          </p:spTgt>
+                                        </p:tgtEl>
+                                        <p:attrNameLst>
+                                          <p:attrName>ppt_x</p:attrName>
+                                          <p:attrName>ppt_y</p:attrName>
+                                        </p:attrNameLst>
+                                      </p:cBhvr>
+                                    </p:animMotion>
+                                    <p:animRot by="1500000">
+                                      <p:cBhvr>
+                                        <p:cTn id="13" dur="125" fill="hold">
+                                          <p:stCondLst>
+                                            <p:cond delay="0"/>
+                                          </p:stCondLst>
+                                        </p:cTn>
+                                        <p:tgtEl>
+                                          <p:spTgt spid="3">
+                                            <p:txEl>
+                                              <p:pRg st="1" end="1"/>
+                                            </p:txEl>
+                                          </p:spTgt>
+                                        </p:tgtEl>
+                                        <p:attrNameLst>
+                                          <p:attrName>r</p:attrName>
+                                        </p:attrNameLst>
+                                      </p:cBhvr>
+                                    </p:animRot>
+                                    <p:animRot by="-1500000">
+                                      <p:cBhvr>
+                                        <p:cTn id="14" dur="125" fill="hold">
+                                          <p:stCondLst>
+                                            <p:cond delay="125"/>
+                                          </p:stCondLst>
+                                        </p:cTn>
+                                        <p:tgtEl>
+                                          <p:spTgt spid="3">
+                                            <p:txEl>
+                                              <p:pRg st="1" end="1"/>
+                                            </p:txEl>
+                                          </p:spTgt>
+                                        </p:tgtEl>
+                                        <p:attrNameLst>
+                                          <p:attrName>r</p:attrName>
+                                        </p:attrNameLst>
+                                      </p:cBhvr>
+                                    </p:animRot>
+                                    <p:animRot by="-1500000">
+                                      <p:cBhvr>
+                                        <p:cTn id="15" dur="125" fill="hold">
+                                          <p:stCondLst>
+                                            <p:cond delay="250"/>
+                                          </p:stCondLst>
+                                        </p:cTn>
+                                        <p:tgtEl>
+                                          <p:spTgt spid="3">
+                                            <p:txEl>
+                                              <p:pRg st="1" end="1"/>
+                                            </p:txEl>
+                                          </p:spTgt>
+                                        </p:tgtEl>
+                                        <p:attrNameLst>
+                                          <p:attrName>r</p:attrName>
+                                        </p:attrNameLst>
+                                      </p:cBhvr>
+                                    </p:animRot>
+                                    <p:animRot by="1500000">
+                                      <p:cBhvr>
+                                        <p:cTn id="16" dur="125" fill="hold">
+                                          <p:stCondLst>
+                                            <p:cond delay="375"/>
+                                          </p:stCondLst>
+                                        </p:cTn>
+                                        <p:tgtEl>
+                                          <p:spTgt spid="3">
+                                            <p:txEl>
+                                              <p:pRg st="1" end="1"/>
+                                            </p:txEl>
+                                          </p:spTgt>
+                                        </p:tgtEl>
+                                        <p:attrNameLst>
+                                          <p:attrName>r</p:attrName>
+                                        </p:attrNameLst>
+                                      </p:cBhvr>
+                                    </p:animRot>
+                                  </p:childTnLst>
+                                </p:cTn>
+                              </p:par>
+                            </p:childTnLst>
+                          </p:cTn>
+                        </p:par>
+                      </p:childTnLst>
+                    </p:cTn>
+                  </p:par>
+                </p:childTnLst>
+              </p:cTn>
+              <p:prevCondLst>
+                <p:cond evt="onPrev" delay="0">
+                  <p:tgtEl>
+                    <p:sldTgt/>
+                  </p:tgtEl>
+                </p:cond>
+              </p:prevCondLst>
+              <p:nextCondLst>
+                <p:cond evt="onNext" delay="0">
+                  <p:tgtEl>
+                    <p:sldTgt/>
+                  </p:tgtEl>
+                </p:cond>
+              </p:nextCondLst>
+            </p:seq>
+          </p:childTnLst>
+        </p:cTn>
+      </p:par>
+    </p:tnLst>
+  </p:timing>
 </p:sld>
 </file>
 
@@ -5171,6 +5435,18 @@
               <a:t>Q&amp;A</a:t>
             </a:r>
           </a:p>
+          <a:p>
+            <a:endParaRPr lang="en-US" sz="3600" dirty="0"/>
+          </a:p>
+          <a:p>
+            <a:endParaRPr lang="en-US" sz="3600" dirty="0"/>
+          </a:p>
+          <a:p>
+            <a:r>
+              <a:rPr lang="en-US" sz="3600" dirty="0"/>
+              <a:t>Thank you</a:t>
+            </a:r>
+          </a:p>
         </p:txBody>
       </p:sp>
     </p:spTree>
@@ -5183,6 +5459,111 @@
   <p:clrMapOvr>
     <a:masterClrMapping/>
   </p:clrMapOvr>
+  <p:timing>
+    <p:tnLst>
+      <p:par>
+        <p:cTn id="1" dur="indefinite" restart="never" nodeType="tmRoot">
+          <p:childTnLst>
+            <p:seq concurrent="1" nextAc="seek">
+              <p:cTn id="2" dur="indefinite" nodeType="mainSeq">
+                <p:childTnLst>
+                  <p:par>
+                    <p:cTn id="3" fill="hold">
+                      <p:stCondLst>
+                        <p:cond delay="indefinite"/>
+                      </p:stCondLst>
+                      <p:childTnLst>
+                        <p:par>
+                          <p:cTn id="4" fill="hold">
+                            <p:stCondLst>
+                              <p:cond delay="0"/>
+                            </p:stCondLst>
+                            <p:childTnLst>
+                              <p:par>
+                                <p:cTn id="5" presetID="1" presetClass="entr" presetSubtype="0" fill="hold" nodeType="clickEffect">
+                                  <p:stCondLst>
+                                    <p:cond delay="0"/>
+                                  </p:stCondLst>
+                                  <p:iterate type="wd">
+                                    <p:tmAbs val="500"/>
+                                  </p:iterate>
+                                  <p:childTnLst>
+                                    <p:set>
+                                      <p:cBhvr>
+                                        <p:cTn id="6" dur="1" fill="hold">
+                                          <p:stCondLst>
+                                            <p:cond delay="0"/>
+                                          </p:stCondLst>
+                                        </p:cTn>
+                                        <p:tgtEl>
+                                          <p:spTgt spid="3">
+                                            <p:txEl>
+                                              <p:pRg st="3" end="3"/>
+                                            </p:txEl>
+                                          </p:spTgt>
+                                        </p:tgtEl>
+                                        <p:attrNameLst>
+                                          <p:attrName>style.visibility</p:attrName>
+                                        </p:attrNameLst>
+                                      </p:cBhvr>
+                                      <p:to>
+                                        <p:strVal val="visible"/>
+                                      </p:to>
+                                    </p:set>
+                                  </p:childTnLst>
+                                  <p:subTnLst>
+                                    <p:audio>
+                                      <p:cMediaNode>
+                                        <p:cTn display="0" masterRel="sameClick">
+                                          <p:stCondLst>
+                                            <p:cond evt="begin" delay="0">
+                                              <p:tn val="5"/>
+                                            </p:cond>
+                                          </p:stCondLst>
+                                          <p:endCondLst>
+                                            <p:cond evt="onStopAudio" delay="0">
+                                              <p:tgtEl>
+                                                <p:sldTgt/>
+                                              </p:tgtEl>
+                                            </p:cond>
+                                          </p:endCondLst>
+                                        </p:cTn>
+                                        <p:tgtEl>
+                                          <p:sndTgt r:embed="rId2" name="applause.wav"/>
+                                        </p:tgtEl>
+                                      </p:cMediaNode>
+                                    </p:audio>
+                                  </p:subTnLst>
+                                </p:cTn>
+                              </p:par>
+                            </p:childTnLst>
+                          </p:cTn>
+                        </p:par>
+                      </p:childTnLst>
+                    </p:cTn>
+                  </p:par>
+                </p:childTnLst>
+              </p:cTn>
+              <p:prevCondLst>
+                <p:cond evt="onPrev" delay="0">
+                  <p:tgtEl>
+                    <p:sldTgt/>
+                  </p:tgtEl>
+                </p:cond>
+              </p:prevCondLst>
+              <p:nextCondLst>
+                <p:cond evt="onNext" delay="0">
+                  <p:tgtEl>
+                    <p:sldTgt/>
+                  </p:tgtEl>
+                </p:cond>
+              </p:nextCondLst>
+            </p:seq>
+          </p:childTnLst>
+        </p:cTn>
+      </p:par>
+    </p:tnLst>
+  </p:timing>
 </p:sld>
 </file>
 
@@ -5399,7 +5780,7 @@
           <a:p>
             <a:r>
               <a:rPr lang="en-US" sz="2800" dirty="0"/>
-              <a:t>The Bakersfield store have to many promotions that negatively impact gross margin rate</a:t>
+              <a:t>The Bakersfield store have too many promotions that negatively impact gross margin rate</a:t>
             </a:r>
           </a:p>
           <a:p>

--- a/Hurley Butterfly Sharp Shooters.pptx
+++ b/Hurley Butterfly Sharp Shooters.pptx
@@ -5430,25 +5430,43 @@
           </a:bodyPr>
           <a:lstStyle/>
           <a:p>
-            <a:r>
-              <a:rPr lang="en-US" sz="3600" dirty="0"/>
-              <a:t>Q&amp;A</a:t>
-            </a:r>
-          </a:p>
-          <a:p>
             <a:endParaRPr lang="en-US" sz="3600" dirty="0"/>
           </a:p>
           <a:p>
             <a:endParaRPr lang="en-US" sz="3600" dirty="0"/>
           </a:p>
-          <a:p>
-            <a:r>
-              <a:rPr lang="en-US" sz="3600" dirty="0"/>
-              <a:t>Thank you</a:t>
-            </a:r>
-          </a:p>
-        </p:txBody>
-      </p:sp>
+        </p:txBody>
+      </p:sp>
+      <p:pic>
+        <p:nvPicPr>
+          <p:cNvPr id="4" name="Picture 3">
+            <a:extLst>
+              <a:ext uri="{FF2B5EF4-FFF2-40B4-BE49-F238E27FC236}">
+                <a16:creationId xmlns:a16="http://schemas.microsoft.com/office/drawing/2014/main" id="{A142BBAB-20E6-4363-BF2A-8E14CA172B2A}"/>
+              </a:ext>
+            </a:extLst>
+          </p:cNvPr>
+          <p:cNvPicPr>
+            <a:picLocks noChangeAspect="1"/>
+          </p:cNvPicPr>
+          <p:nvPr/>
+        </p:nvPicPr>
+        <p:blipFill>
+          <a:blip r:embed="rId3"/>
+          <a:stretch>
+            <a:fillRect/>
+          </a:stretch>
+        </p:blipFill>
+        <p:spPr>
+          <a:xfrm>
+            <a:off x="4153361" y="1587141"/>
+            <a:ext cx="4037678" cy="4433899"/>
+          </a:xfrm>
+          <a:prstGeom prst="rect">
+            <a:avLst/>
+          </a:prstGeom>
+        </p:spPr>
+      </p:pic>
     </p:spTree>
     <p:extLst>
       <p:ext uri="{BB962C8B-B14F-4D97-AF65-F5344CB8AC3E}">
@@ -5480,13 +5498,10 @@
                             </p:stCondLst>
                             <p:childTnLst>
                               <p:par>
-                                <p:cTn id="5" presetID="1" presetClass="entr" presetSubtype="0" fill="hold" nodeType="clickEffect">
+                                <p:cTn id="5" presetID="1" presetClass="exit" presetSubtype="0" fill="hold" nodeType="clickEffect">
                                   <p:stCondLst>
                                     <p:cond delay="0"/>
                                   </p:stCondLst>
-                                  <p:iterate type="wd">
-                                    <p:tmAbs val="500"/>
-                                  </p:iterate>
                                   <p:childTnLst>
                                     <p:set>
                                       <p:cBhvr>
@@ -5496,18 +5511,14 @@
                                           </p:stCondLst>
                                         </p:cTn>
                                         <p:tgtEl>
-                                          <p:spTgt spid="3">
-                                            <p:txEl>
-                                              <p:pRg st="3" end="3"/>
-                                            </p:txEl>
-                                          </p:spTgt>
+                                          <p:spTgt spid="4"/>
                                         </p:tgtEl>
                                         <p:attrNameLst>
                                           <p:attrName>style.visibility</p:attrName>
                                         </p:attrNameLst>
                                       </p:cBhvr>
                                       <p:to>
-                                        <p:strVal val="visible"/>
+                                        <p:strVal val="hidden"/>
                                       </p:to>
                                     </p:set>
                                   </p:childTnLst>
